--- a/期末答辩ppt.pptx
+++ b/期末答辩ppt.pptx
@@ -207,7 +207,7 @@
           <a:p>
             <a:fld id="{F075C004-A9D4-4858-99EC-F4CCE56E2FEF}" type="datetimeFigureOut">
               <a:rPr lang="zh-CN" altLang="en-US" smtClean="0"/>
-              <a:t>2018/1/9 Tuesday</a:t>
+              <a:t>2018/1/17 Wednesday</a:t>
             </a:fld>
             <a:endParaRPr lang="zh-CN" altLang="en-US"/>
           </a:p>
@@ -1934,7 +1934,7 @@
           <a:p>
             <a:fld id="{5E137E13-6931-4ECB-BB5B-849FB74182C0}" type="datetimeFigureOut">
               <a:rPr lang="zh-CN" altLang="en-US" smtClean="0"/>
-              <a:t>2018/1/9 Tuesday</a:t>
+              <a:t>2018/1/17 Wednesday</a:t>
             </a:fld>
             <a:endParaRPr lang="zh-CN" altLang="en-US"/>
           </a:p>
@@ -2147,7 +2147,7 @@
           <a:p>
             <a:fld id="{5E137E13-6931-4ECB-BB5B-849FB74182C0}" type="datetimeFigureOut">
               <a:rPr lang="zh-CN" altLang="en-US" smtClean="0"/>
-              <a:t>2018/1/9 Tuesday</a:t>
+              <a:t>2018/1/17 Wednesday</a:t>
             </a:fld>
             <a:endParaRPr lang="zh-CN" altLang="en-US"/>
           </a:p>
@@ -2360,7 +2360,7 @@
           <a:p>
             <a:fld id="{5E137E13-6931-4ECB-BB5B-849FB74182C0}" type="datetimeFigureOut">
               <a:rPr lang="zh-CN" altLang="en-US" smtClean="0"/>
-              <a:t>2018/1/9 Tuesday</a:t>
+              <a:t>2018/1/17 Wednesday</a:t>
             </a:fld>
             <a:endParaRPr lang="zh-CN" altLang="en-US"/>
           </a:p>
@@ -3464,7 +3464,7 @@
           <a:p>
             <a:fld id="{5E137E13-6931-4ECB-BB5B-849FB74182C0}" type="datetimeFigureOut">
               <a:rPr lang="zh-CN" altLang="en-US" smtClean="0"/>
-              <a:t>2018/1/9 Tuesday</a:t>
+              <a:t>2018/1/17 Wednesday</a:t>
             </a:fld>
             <a:endParaRPr lang="zh-CN" altLang="en-US"/>
           </a:p>
@@ -3743,7 +3743,7 @@
           <a:p>
             <a:fld id="{5E137E13-6931-4ECB-BB5B-849FB74182C0}" type="datetimeFigureOut">
               <a:rPr lang="zh-CN" altLang="en-US" smtClean="0"/>
-              <a:t>2018/1/9 Tuesday</a:t>
+              <a:t>2018/1/17 Wednesday</a:t>
             </a:fld>
             <a:endParaRPr lang="zh-CN" altLang="en-US"/>
           </a:p>
@@ -4072,7 +4072,7 @@
           <a:p>
             <a:fld id="{5E137E13-6931-4ECB-BB5B-849FB74182C0}" type="datetimeFigureOut">
               <a:rPr lang="zh-CN" altLang="en-US" smtClean="0"/>
-              <a:t>2018/1/9 Tuesday</a:t>
+              <a:t>2018/1/17 Wednesday</a:t>
             </a:fld>
             <a:endParaRPr lang="zh-CN" altLang="en-US"/>
           </a:p>
@@ -4541,7 +4541,7 @@
           <a:p>
             <a:fld id="{5E137E13-6931-4ECB-BB5B-849FB74182C0}" type="datetimeFigureOut">
               <a:rPr lang="zh-CN" altLang="en-US" smtClean="0"/>
-              <a:t>2018/1/9 Tuesday</a:t>
+              <a:t>2018/1/17 Wednesday</a:t>
             </a:fld>
             <a:endParaRPr lang="zh-CN" altLang="en-US"/>
           </a:p>
@@ -4694,7 +4694,7 @@
           <a:p>
             <a:fld id="{5E137E13-6931-4ECB-BB5B-849FB74182C0}" type="datetimeFigureOut">
               <a:rPr lang="zh-CN" altLang="en-US" smtClean="0"/>
-              <a:t>2018/1/9 Tuesday</a:t>
+              <a:t>2018/1/17 Wednesday</a:t>
             </a:fld>
             <a:endParaRPr lang="zh-CN" altLang="en-US"/>
           </a:p>
@@ -4816,7 +4816,7 @@
           <a:p>
             <a:fld id="{5E137E13-6931-4ECB-BB5B-849FB74182C0}" type="datetimeFigureOut">
               <a:rPr lang="zh-CN" altLang="en-US" smtClean="0"/>
-              <a:t>2018/1/9 Tuesday</a:t>
+              <a:t>2018/1/17 Wednesday</a:t>
             </a:fld>
             <a:endParaRPr lang="zh-CN" altLang="en-US"/>
           </a:p>
@@ -5129,7 +5129,7 @@
           <a:p>
             <a:fld id="{5E137E13-6931-4ECB-BB5B-849FB74182C0}" type="datetimeFigureOut">
               <a:rPr lang="zh-CN" altLang="en-US" smtClean="0"/>
-              <a:t>2018/1/9 Tuesday</a:t>
+              <a:t>2018/1/17 Wednesday</a:t>
             </a:fld>
             <a:endParaRPr lang="zh-CN" altLang="en-US"/>
           </a:p>
@@ -5418,7 +5418,7 @@
           <a:p>
             <a:fld id="{5E137E13-6931-4ECB-BB5B-849FB74182C0}" type="datetimeFigureOut">
               <a:rPr lang="zh-CN" altLang="en-US" smtClean="0"/>
-              <a:t>2018/1/9 Tuesday</a:t>
+              <a:t>2018/1/17 Wednesday</a:t>
             </a:fld>
             <a:endParaRPr lang="zh-CN" altLang="en-US"/>
           </a:p>
@@ -8771,7 +8771,7 @@
         <p:spPr>
           <a:xfrm>
             <a:off x="201295" y="829945"/>
-            <a:ext cx="8390890" cy="1753235"/>
+            <a:ext cx="8390890" cy="1477328"/>
           </a:xfrm>
           <a:prstGeom prst="rect">
             <a:avLst/>
@@ -8839,7 +8839,7 @@
                   </a:schemeClr>
                 </a:solidFill>
               </a:rPr>
-              <a:t>后台存储什么样的微信用户信息</a:t>
+              <a:t>怎么防止</a:t>
             </a:r>
             <a:r>
               <a:rPr lang="en-US" altLang="zh-CN" b="1" dirty="0" smtClean="0">
@@ -8849,18 +8849,25 @@
                   </a:schemeClr>
                 </a:solidFill>
               </a:rPr>
-              <a:t>,</a:t>
-            </a:r>
-            <a:r>
-              <a:rPr lang="zh-CN" altLang="zh-CN" b="1" dirty="0" smtClean="0">
+              <a:t>get</a:t>
+            </a:r>
+            <a:r>
+              <a:rPr lang="zh-CN" altLang="en-US" b="1" dirty="0" smtClean="0">
                 <a:solidFill>
                   <a:schemeClr val="accent4">
                     <a:lumMod val="50000"/>
                   </a:schemeClr>
                 </a:solidFill>
               </a:rPr>
-              <a:t>这个微信用户是依赖于微信的，数据库怎么存不会存垃圾数据</a:t>
-            </a:r>
+              <a:t>请求乱码</a:t>
+            </a:r>
+            <a:endParaRPr lang="en-US" altLang="zh-CN" b="1" dirty="0" smtClean="0">
+              <a:solidFill>
+                <a:schemeClr val="accent4">
+                  <a:lumMod val="50000"/>
+                </a:schemeClr>
+              </a:solidFill>
+            </a:endParaRPr>
           </a:p>
           <a:p>
             <a:r>
@@ -8871,7 +8878,17 @@
                   </a:schemeClr>
                 </a:solidFill>
               </a:rPr>
-              <a:t>3.</a:t>
+              <a:t>3</a:t>
+            </a:r>
+            <a:r>
+              <a:rPr lang="en-US" altLang="zh-CN" b="1" dirty="0" smtClean="0">
+                <a:solidFill>
+                  <a:schemeClr val="accent4">
+                    <a:lumMod val="50000"/>
+                  </a:schemeClr>
+                </a:solidFill>
+              </a:rPr>
+              <a:t>.</a:t>
             </a:r>
             <a:r>
               <a:rPr lang="zh-CN" altLang="en-US" b="1" dirty="0" smtClean="0">
@@ -8895,7 +8912,7 @@
         <p:spPr>
           <a:xfrm>
             <a:off x="201058" y="2802583"/>
-            <a:ext cx="8886106" cy="1753235"/>
+            <a:ext cx="8886106" cy="1754326"/>
           </a:xfrm>
           <a:prstGeom prst="rect">
             <a:avLst/>
@@ -9003,7 +9020,15 @@
                   <a:srgbClr val="0070C0"/>
                 </a:solidFill>
               </a:rPr>
-              <a:t>数据库只存储微信用户的</a:t>
+              <a:t>手写编码过滤器，实现</a:t>
+            </a:r>
+            <a:r>
+              <a:rPr lang="en-US" altLang="zh-CN" b="1" dirty="0">
+                <a:solidFill>
+                  <a:srgbClr val="0070C0"/>
+                </a:solidFill>
+              </a:rPr>
+              <a:t>F</a:t>
             </a:r>
             <a:r>
               <a:rPr lang="en-US" altLang="zh-CN" b="1" dirty="0" smtClean="0">
@@ -9011,25 +9036,57 @@
                   <a:srgbClr val="0070C0"/>
                 </a:solidFill>
               </a:rPr>
-              <a:t>openid</a:t>
-            </a:r>
-            <a:r>
-              <a:rPr lang="zh-CN" altLang="zh-CN" b="1" dirty="0" smtClean="0">
+              <a:t>ilter</a:t>
+            </a:r>
+            <a:r>
+              <a:rPr lang="zh-CN" altLang="en-US" b="1" dirty="0" smtClean="0">
                 <a:solidFill>
                   <a:srgbClr val="0070C0"/>
                 </a:solidFill>
               </a:rPr>
-              <a:t>和绑定的手机号码</a:t>
-            </a:r>
-          </a:p>
-          <a:p>
+              <a:t>接口，对所有请求进行编码转换</a:t>
+            </a:r>
             <a:r>
               <a:rPr lang="en-US" altLang="zh-CN" b="1" dirty="0" smtClean="0">
                 <a:solidFill>
                   <a:srgbClr val="0070C0"/>
                 </a:solidFill>
               </a:rPr>
-              <a:t>3.</a:t>
+              <a:t>,</a:t>
+            </a:r>
+            <a:r>
+              <a:rPr lang="zh-CN" altLang="en-US" b="1" dirty="0" smtClean="0">
+                <a:solidFill>
+                  <a:srgbClr val="0070C0"/>
+                </a:solidFill>
+              </a:rPr>
+              <a:t>转成</a:t>
+            </a:r>
+            <a:r>
+              <a:rPr lang="en-US" altLang="zh-CN" b="1" dirty="0" smtClean="0">
+                <a:solidFill>
+                  <a:srgbClr val="0070C0"/>
+                </a:solidFill>
+              </a:rPr>
+              <a:t>utf-8</a:t>
+            </a:r>
+          </a:p>
+          <a:p>
+            <a:r>
+              <a:rPr lang="en-US" altLang="zh-CN" b="1" dirty="0" smtClean="0">
+                <a:solidFill>
+                  <a:srgbClr val="0070C0"/>
+                </a:solidFill>
+              </a:rPr>
+              <a:t>3</a:t>
+            </a:r>
+            <a:r>
+              <a:rPr lang="en-US" altLang="zh-CN" b="1" dirty="0" smtClean="0">
+                <a:solidFill>
+                  <a:srgbClr val="0070C0"/>
+                </a:solidFill>
+              </a:rPr>
+              <a:t>.</a:t>
             </a:r>
             <a:r>
               <a:rPr lang="zh-CN" altLang="en-US" b="1" dirty="0" smtClean="0">
@@ -19092,7 +19149,7 @@
             </a:r>
             <a:r>
               <a:rPr lang="en-US" altLang="zh-CN" dirty="0" err="1" smtClean="0"/>
-              <a:t>echache</a:t>
+              <a:t>ehcache</a:t>
             </a:r>
             <a:r>
               <a:rPr lang="zh-CN" altLang="en-US" dirty="0" smtClean="0"/>
@@ -19201,7 +19258,11 @@
             </a:r>
             <a:r>
               <a:rPr lang="zh-CN" altLang="en-US" dirty="0" smtClean="0"/>
-              <a:t>百度地图</a:t>
+              <a:t>百度</a:t>
+            </a:r>
+            <a:r>
+              <a:rPr lang="zh-CN" altLang="en-US" smtClean="0"/>
+              <a:t>地图获取商家的位置</a:t>
             </a:r>
             <a:endParaRPr lang="en-US" altLang="zh-CN" dirty="0" smtClean="0"/>
           </a:p>
